--- a/astarpre.pptx
+++ b/astarpre.pptx
@@ -108,6 +108,11 @@
       </a:defRPr>
     </a:lvl9pPr>
   </p:defaultTextStyle>
+  <p:extLst>
+    <p:ext uri="{EFAFB233-063F-42B5-8137-9DF3F51BA10A}">
+      <p15:sldGuideLst xmlns:p15="http://schemas.microsoft.com/office/powerpoint/2012/main"/>
+    </p:ext>
+  </p:extLst>
 </p:presentation>
 </file>
 
@@ -4762,8 +4767,8 @@
           </a:p>
         </p:txBody>
       </p:sp>
-      <mc:AlternateContent xmlns:mc="http://schemas.openxmlformats.org/markup-compatibility/2006">
-        <mc:Choice xmlns:a14="http://schemas.microsoft.com/office/drawing/2010/main" Requires="a14">
+      <mc:AlternateContent xmlns:mc="http://schemas.openxmlformats.org/markup-compatibility/2006" xmlns:a14="http://schemas.microsoft.com/office/drawing/2010/main">
+        <mc:Choice Requires="a14">
           <p:sp>
             <p:nvSpPr>
               <p:cNvPr id="4" name="矩形 3">
@@ -4791,6 +4796,7 @@
               </a:bodyPr>
               <a:lstStyle/>
               <a:p>
+                <a:pPr/>
                 <a14:m>
                   <m:oMathPara xmlns:m="http://schemas.openxmlformats.org/officeDocument/2006/math">
                     <m:oMathParaPr>
@@ -4949,7 +4955,7 @@
             </p:txBody>
           </p:sp>
         </mc:Choice>
-        <mc:Fallback>
+        <mc:Fallback xmlns="">
           <p:sp>
             <p:nvSpPr>
               <p:cNvPr id="4" name="矩形 3">
@@ -5128,8 +5134,8 @@
         </p:nvCxnSpPr>
         <p:spPr>
           <a:xfrm flipH="1" flipV="1">
-            <a:off x="6542117" y="2691869"/>
-            <a:ext cx="1463732" cy="275466"/>
+            <a:off x="6542118" y="2691869"/>
+            <a:ext cx="1463731" cy="275466"/>
           </a:xfrm>
           <a:prstGeom prst="straightConnector1">
             <a:avLst/>
@@ -5170,8 +5176,8 @@
         </p:nvSpPr>
         <p:spPr>
           <a:xfrm>
-            <a:off x="9785465" y="3167390"/>
-            <a:ext cx="2627045" cy="523220"/>
+            <a:off x="9785466" y="3167390"/>
+            <a:ext cx="2060172" cy="523220"/>
           </a:xfrm>
           <a:prstGeom prst="rect">
             <a:avLst/>
@@ -5215,6 +5221,7 @@
             </a:extLst>
           </p:cNvPr>
           <p:cNvCxnSpPr>
+            <a:cxnSpLocks/>
             <a:stCxn id="6" idx="3"/>
             <a:endCxn id="15" idx="1"/>
           </p:cNvCxnSpPr>
@@ -5223,7 +5230,7 @@
         <p:spPr>
           <a:xfrm>
             <a:off x="9035935" y="3429000"/>
-            <a:ext cx="749530" cy="0"/>
+            <a:ext cx="749531" cy="0"/>
           </a:xfrm>
           <a:prstGeom prst="straightConnector1">
             <a:avLst/>
